--- a/Presentation_ppt_updated on 030522.pptx
+++ b/Presentation_ppt_updated on 030522.pptx
@@ -8,17 +8,18 @@
     <p:sldId id="256" r:id="rId2"/>
     <p:sldId id="257" r:id="rId3"/>
     <p:sldId id="258" r:id="rId4"/>
-    <p:sldId id="270" r:id="rId5"/>
-    <p:sldId id="259" r:id="rId6"/>
-    <p:sldId id="260" r:id="rId7"/>
-    <p:sldId id="261" r:id="rId8"/>
-    <p:sldId id="262" r:id="rId9"/>
-    <p:sldId id="263" r:id="rId10"/>
-    <p:sldId id="265" r:id="rId11"/>
-    <p:sldId id="266" r:id="rId12"/>
-    <p:sldId id="267" r:id="rId13"/>
-    <p:sldId id="268" r:id="rId14"/>
-    <p:sldId id="269" r:id="rId15"/>
+    <p:sldId id="271" r:id="rId5"/>
+    <p:sldId id="270" r:id="rId6"/>
+    <p:sldId id="259" r:id="rId7"/>
+    <p:sldId id="260" r:id="rId8"/>
+    <p:sldId id="261" r:id="rId9"/>
+    <p:sldId id="262" r:id="rId10"/>
+    <p:sldId id="263" r:id="rId11"/>
+    <p:sldId id="265" r:id="rId12"/>
+    <p:sldId id="266" r:id="rId13"/>
+    <p:sldId id="267" r:id="rId14"/>
+    <p:sldId id="268" r:id="rId15"/>
+    <p:sldId id="269" r:id="rId16"/>
   </p:sldIdLst>
   <p:sldSz cx="12192000" cy="6858000"/>
   <p:notesSz cx="6858000" cy="9144000"/>
@@ -3512,6 +3513,151 @@
           <a:chExt cx="0" cy="0"/>
         </a:xfrm>
       </p:grpSpPr>
+      <p:pic>
+        <p:nvPicPr>
+          <p:cNvPr id="7" name="Picture 6">
+            <a:extLst>
+              <a:ext uri="{FF2B5EF4-FFF2-40B4-BE49-F238E27FC236}">
+                <a16:creationId xmlns:a16="http://schemas.microsoft.com/office/drawing/2014/main" id="{6BCE5F0F-32FA-93EF-94D3-EA4EC4E157CB}"/>
+              </a:ext>
+            </a:extLst>
+          </p:cNvPr>
+          <p:cNvPicPr>
+            <a:picLocks noChangeAspect="1"/>
+          </p:cNvPicPr>
+          <p:nvPr/>
+        </p:nvPicPr>
+        <p:blipFill>
+          <a:blip r:embed="rId2">
+            <a:extLst>
+              <a:ext uri="{28A0092B-C50C-407E-A947-70E740481C1C}">
+                <a14:useLocalDpi xmlns:a14="http://schemas.microsoft.com/office/drawing/2010/main" val="0"/>
+              </a:ext>
+            </a:extLst>
+          </a:blip>
+          <a:stretch>
+            <a:fillRect/>
+          </a:stretch>
+        </p:blipFill>
+        <p:spPr>
+          <a:xfrm>
+            <a:off x="0" y="340180"/>
+            <a:ext cx="6609437" cy="3304719"/>
+          </a:xfrm>
+          <a:prstGeom prst="rect">
+            <a:avLst/>
+          </a:prstGeom>
+        </p:spPr>
+      </p:pic>
+      <p:pic>
+        <p:nvPicPr>
+          <p:cNvPr id="10" name="Picture 9">
+            <a:extLst>
+              <a:ext uri="{FF2B5EF4-FFF2-40B4-BE49-F238E27FC236}">
+                <a16:creationId xmlns:a16="http://schemas.microsoft.com/office/drawing/2014/main" id="{43DA495D-2A56-4DAA-ED0A-675734BE2664}"/>
+              </a:ext>
+            </a:extLst>
+          </p:cNvPr>
+          <p:cNvPicPr>
+            <a:picLocks noChangeAspect="1"/>
+          </p:cNvPicPr>
+          <p:nvPr/>
+        </p:nvPicPr>
+        <p:blipFill>
+          <a:blip r:embed="rId3">
+            <a:extLst>
+              <a:ext uri="{28A0092B-C50C-407E-A947-70E740481C1C}">
+                <a14:useLocalDpi xmlns:a14="http://schemas.microsoft.com/office/drawing/2010/main" val="0"/>
+              </a:ext>
+            </a:extLst>
+          </a:blip>
+          <a:stretch>
+            <a:fillRect/>
+          </a:stretch>
+        </p:blipFill>
+        <p:spPr>
+          <a:xfrm>
+            <a:off x="6833287" y="101600"/>
+            <a:ext cx="5485714" cy="3657143"/>
+          </a:xfrm>
+          <a:prstGeom prst="rect">
+            <a:avLst/>
+          </a:prstGeom>
+        </p:spPr>
+      </p:pic>
+      <p:sp>
+        <p:nvSpPr>
+          <p:cNvPr id="14" name="TextBox 13">
+            <a:extLst>
+              <a:ext uri="{FF2B5EF4-FFF2-40B4-BE49-F238E27FC236}">
+                <a16:creationId xmlns:a16="http://schemas.microsoft.com/office/drawing/2014/main" id="{6F941A53-CAEA-0363-DE61-7CEBE0E24148}"/>
+              </a:ext>
+            </a:extLst>
+          </p:cNvPr>
+          <p:cNvSpPr txBox="1"/>
+          <p:nvPr/>
+        </p:nvSpPr>
+        <p:spPr>
+          <a:xfrm>
+            <a:off x="958850" y="4363135"/>
+            <a:ext cx="6159500" cy="646331"/>
+          </a:xfrm>
+          <a:prstGeom prst="rect">
+            <a:avLst/>
+          </a:prstGeom>
+          <a:noFill/>
+        </p:spPr>
+        <p:txBody>
+          <a:bodyPr wrap="square">
+            <a:spAutoFit/>
+          </a:bodyPr>
+          <a:lstStyle/>
+          <a:p>
+            <a:r>
+              <a:rPr lang="en-US" dirty="0"/>
+              <a:t>*****Insert info for the Top &amp; bottom 5 industries – Avg </a:t>
+            </a:r>
+            <a:r>
+              <a:rPr lang="en-US" dirty="0" err="1"/>
+              <a:t>wkly</a:t>
+            </a:r>
+            <a:r>
+              <a:rPr lang="en-US" dirty="0"/>
+              <a:t> Earning</a:t>
+            </a:r>
+          </a:p>
+        </p:txBody>
+      </p:sp>
+    </p:spTree>
+    <p:extLst>
+      <p:ext uri="{BB962C8B-B14F-4D97-AF65-F5344CB8AC3E}">
+        <p14:creationId xmlns:p14="http://schemas.microsoft.com/office/powerpoint/2010/main" val="929465799"/>
+      </p:ext>
+    </p:extLst>
+  </p:cSld>
+  <p:clrMapOvr>
+    <a:masterClrMapping/>
+  </p:clrMapOvr>
+</p:sld>
+</file>
+
+<file path=ppt/slides/slide11.xml><?xml version="1.0" encoding="utf-8"?>
+<p:sld xmlns:a="http://schemas.openxmlformats.org/drawingml/2006/main" xmlns:r="http://schemas.openxmlformats.org/officeDocument/2006/relationships" xmlns:p="http://schemas.openxmlformats.org/presentationml/2006/main">
+  <p:cSld>
+    <p:spTree>
+      <p:nvGrpSpPr>
+        <p:cNvPr id="1" name=""/>
+        <p:cNvGrpSpPr/>
+        <p:nvPr/>
+      </p:nvGrpSpPr>
+      <p:grpSpPr>
+        <a:xfrm>
+          <a:off x="0" y="0"/>
+          <a:ext cx="0" cy="0"/>
+          <a:chOff x="0" y="0"/>
+          <a:chExt cx="0" cy="0"/>
+        </a:xfrm>
+      </p:grpSpPr>
       <p:sp>
         <p:nvSpPr>
           <p:cNvPr id="2" name="Title 1">
@@ -3590,7 +3736,7 @@
 </p:sld>
 </file>
 
-<file path=ppt/slides/slide11.xml><?xml version="1.0" encoding="utf-8"?>
+<file path=ppt/slides/slide12.xml><?xml version="1.0" encoding="utf-8"?>
 <p:sld xmlns:a="http://schemas.openxmlformats.org/drawingml/2006/main" xmlns:r="http://schemas.openxmlformats.org/officeDocument/2006/relationships" xmlns:p="http://schemas.openxmlformats.org/presentationml/2006/main">
   <p:cSld>
     <p:spTree>
@@ -3680,7 +3826,7 @@
 </p:sld>
 </file>
 
-<file path=ppt/slides/slide12.xml><?xml version="1.0" encoding="utf-8"?>
+<file path=ppt/slides/slide13.xml><?xml version="1.0" encoding="utf-8"?>
 <p:sld xmlns:a="http://schemas.openxmlformats.org/drawingml/2006/main" xmlns:r="http://schemas.openxmlformats.org/officeDocument/2006/relationships" xmlns:p="http://schemas.openxmlformats.org/presentationml/2006/main">
   <p:cSld>
     <p:spTree>
@@ -3772,7 +3918,7 @@
 </p:sld>
 </file>
 
-<file path=ppt/slides/slide13.xml><?xml version="1.0" encoding="utf-8"?>
+<file path=ppt/slides/slide14.xml><?xml version="1.0" encoding="utf-8"?>
 <p:sld xmlns:a="http://schemas.openxmlformats.org/drawingml/2006/main" xmlns:r="http://schemas.openxmlformats.org/officeDocument/2006/relationships" xmlns:p="http://schemas.openxmlformats.org/presentationml/2006/main">
   <p:cSld>
     <p:spTree>
@@ -3855,7 +4001,7 @@
 </p:sld>
 </file>
 
-<file path=ppt/slides/slide14.xml><?xml version="1.0" encoding="utf-8"?>
+<file path=ppt/slides/slide15.xml><?xml version="1.0" encoding="utf-8"?>
 <p:sld xmlns:a="http://schemas.openxmlformats.org/drawingml/2006/main" xmlns:r="http://schemas.openxmlformats.org/officeDocument/2006/relationships" xmlns:p="http://schemas.openxmlformats.org/presentationml/2006/main">
   <p:cSld>
     <p:spTree>
@@ -4273,6 +4419,93 @@
           <p:cNvPr id="2" name="Title 1">
             <a:extLst>
               <a:ext uri="{FF2B5EF4-FFF2-40B4-BE49-F238E27FC236}">
+                <a16:creationId xmlns:a16="http://schemas.microsoft.com/office/drawing/2014/main" id="{7EB38F94-51B2-B9FE-D84F-07C3A38C3C27}"/>
+              </a:ext>
+            </a:extLst>
+          </p:cNvPr>
+          <p:cNvSpPr>
+            <a:spLocks noGrp="1"/>
+          </p:cNvSpPr>
+          <p:nvPr>
+            <p:ph type="title"/>
+          </p:nvPr>
+        </p:nvSpPr>
+        <p:spPr/>
+        <p:txBody>
+          <a:bodyPr/>
+          <a:lstStyle/>
+          <a:p>
+            <a:r>
+              <a:rPr lang="en-AU"/>
+              <a:t>Pie chart here</a:t>
+            </a:r>
+          </a:p>
+        </p:txBody>
+      </p:sp>
+      <p:pic>
+        <p:nvPicPr>
+          <p:cNvPr id="5" name="Content Placeholder 4">
+            <a:extLst>
+              <a:ext uri="{FF2B5EF4-FFF2-40B4-BE49-F238E27FC236}">
+                <a16:creationId xmlns:a16="http://schemas.microsoft.com/office/drawing/2014/main" id="{447CEDE0-8631-0843-4BB1-A90C39902A0A}"/>
+              </a:ext>
+            </a:extLst>
+          </p:cNvPr>
+          <p:cNvPicPr>
+            <a:picLocks noGrp="1" noChangeAspect="1"/>
+          </p:cNvPicPr>
+          <p:nvPr>
+            <p:ph idx="1"/>
+          </p:nvPr>
+        </p:nvPicPr>
+        <p:blipFill>
+          <a:blip r:embed="rId2"/>
+          <a:stretch>
+            <a:fillRect/>
+          </a:stretch>
+        </p:blipFill>
+        <p:spPr>
+          <a:xfrm>
+            <a:off x="1603442" y="1825625"/>
+            <a:ext cx="8985116" cy="4351338"/>
+          </a:xfrm>
+        </p:spPr>
+      </p:pic>
+    </p:spTree>
+    <p:extLst>
+      <p:ext uri="{BB962C8B-B14F-4D97-AF65-F5344CB8AC3E}">
+        <p14:creationId xmlns:p14="http://schemas.microsoft.com/office/powerpoint/2010/main" val="1446011207"/>
+      </p:ext>
+    </p:extLst>
+  </p:cSld>
+  <p:clrMapOvr>
+    <a:masterClrMapping/>
+  </p:clrMapOvr>
+</p:sld>
+</file>
+
+<file path=ppt/slides/slide5.xml><?xml version="1.0" encoding="utf-8"?>
+<p:sld xmlns:a="http://schemas.openxmlformats.org/drawingml/2006/main" xmlns:r="http://schemas.openxmlformats.org/officeDocument/2006/relationships" xmlns:p="http://schemas.openxmlformats.org/presentationml/2006/main">
+  <p:cSld>
+    <p:spTree>
+      <p:nvGrpSpPr>
+        <p:cNvPr id="1" name=""/>
+        <p:cNvGrpSpPr/>
+        <p:nvPr/>
+      </p:nvGrpSpPr>
+      <p:grpSpPr>
+        <a:xfrm>
+          <a:off x="0" y="0"/>
+          <a:ext cx="0" cy="0"/>
+          <a:chOff x="0" y="0"/>
+          <a:chExt cx="0" cy="0"/>
+        </a:xfrm>
+      </p:grpSpPr>
+      <p:sp>
+        <p:nvSpPr>
+          <p:cNvPr id="2" name="Title 1">
+            <a:extLst>
+              <a:ext uri="{FF2B5EF4-FFF2-40B4-BE49-F238E27FC236}">
                 <a16:creationId xmlns:a16="http://schemas.microsoft.com/office/drawing/2014/main" id="{DEC128E2-3143-8331-65CD-5AF390443A41}"/>
               </a:ext>
             </a:extLst>
@@ -4364,7 +4597,7 @@
 </p:sld>
 </file>
 
-<file path=ppt/slides/slide5.xml><?xml version="1.0" encoding="utf-8"?>
+<file path=ppt/slides/slide6.xml><?xml version="1.0" encoding="utf-8"?>
 <p:sld xmlns:a="http://schemas.openxmlformats.org/drawingml/2006/main" xmlns:r="http://schemas.openxmlformats.org/officeDocument/2006/relationships" xmlns:p="http://schemas.openxmlformats.org/presentationml/2006/main">
   <p:cSld>
     <p:spTree>
@@ -4483,7 +4716,7 @@
 </p:sld>
 </file>
 
-<file path=ppt/slides/slide6.xml><?xml version="1.0" encoding="utf-8"?>
+<file path=ppt/slides/slide7.xml><?xml version="1.0" encoding="utf-8"?>
 <p:sld xmlns:a="http://schemas.openxmlformats.org/drawingml/2006/main" xmlns:r="http://schemas.openxmlformats.org/officeDocument/2006/relationships" xmlns:p="http://schemas.openxmlformats.org/presentationml/2006/main">
   <p:cSld>
     <p:spTree>
@@ -4602,7 +4835,7 @@
 </p:sld>
 </file>
 
-<file path=ppt/slides/slide7.xml><?xml version="1.0" encoding="utf-8"?>
+<file path=ppt/slides/slide8.xml><?xml version="1.0" encoding="utf-8"?>
 <p:sld xmlns:a="http://schemas.openxmlformats.org/drawingml/2006/main" xmlns:r="http://schemas.openxmlformats.org/officeDocument/2006/relationships" xmlns:p="http://schemas.openxmlformats.org/presentationml/2006/main">
   <p:cSld>
     <p:spTree>
@@ -4721,178 +4954,6 @@
 </p:sld>
 </file>
 
-<file path=ppt/slides/slide8.xml><?xml version="1.0" encoding="utf-8"?>
-<p:sld xmlns:a="http://schemas.openxmlformats.org/drawingml/2006/main" xmlns:r="http://schemas.openxmlformats.org/officeDocument/2006/relationships" xmlns:p="http://schemas.openxmlformats.org/presentationml/2006/main">
-  <p:cSld>
-    <p:spTree>
-      <p:nvGrpSpPr>
-        <p:cNvPr id="1" name=""/>
-        <p:cNvGrpSpPr/>
-        <p:nvPr/>
-      </p:nvGrpSpPr>
-      <p:grpSpPr>
-        <a:xfrm>
-          <a:off x="0" y="0"/>
-          <a:ext cx="0" cy="0"/>
-          <a:chOff x="0" y="0"/>
-          <a:chExt cx="0" cy="0"/>
-        </a:xfrm>
-      </p:grpSpPr>
-      <p:sp>
-        <p:nvSpPr>
-          <p:cNvPr id="2" name="Title 1">
-            <a:extLst>
-              <a:ext uri="{FF2B5EF4-FFF2-40B4-BE49-F238E27FC236}">
-                <a16:creationId xmlns:a16="http://schemas.microsoft.com/office/drawing/2014/main" id="{63DAEC9D-DDC5-1D93-CB4F-FE2D1C9BECAA}"/>
-              </a:ext>
-            </a:extLst>
-          </p:cNvPr>
-          <p:cNvSpPr>
-            <a:spLocks noGrp="1"/>
-          </p:cNvSpPr>
-          <p:nvPr>
-            <p:ph type="title"/>
-          </p:nvPr>
-        </p:nvSpPr>
-        <p:spPr/>
-        <p:txBody>
-          <a:bodyPr>
-            <a:normAutofit/>
-          </a:bodyPr>
-          <a:lstStyle/>
-          <a:p>
-            <a:r>
-              <a:rPr lang="en-US" sz="4000" b="1" dirty="0"/>
-              <a:t>Job Vacancies by State</a:t>
-            </a:r>
-            <a:endParaRPr lang="en-AU" sz="4000" b="1" dirty="0"/>
-          </a:p>
-        </p:txBody>
-      </p:sp>
-      <p:pic>
-        <p:nvPicPr>
-          <p:cNvPr id="4" name="Picture 3">
-            <a:extLst>
-              <a:ext uri="{FF2B5EF4-FFF2-40B4-BE49-F238E27FC236}">
-                <a16:creationId xmlns:a16="http://schemas.microsoft.com/office/drawing/2014/main" id="{C6A452C2-6575-24B7-3F18-AAD0D2974E5F}"/>
-              </a:ext>
-            </a:extLst>
-          </p:cNvPr>
-          <p:cNvPicPr>
-            <a:picLocks noChangeAspect="1"/>
-          </p:cNvPicPr>
-          <p:nvPr/>
-        </p:nvPicPr>
-        <p:blipFill>
-          <a:blip r:embed="rId2">
-            <a:extLst>
-              <a:ext uri="{28A0092B-C50C-407E-A947-70E740481C1C}">
-                <a14:useLocalDpi xmlns:a14="http://schemas.microsoft.com/office/drawing/2010/main" val="0"/>
-              </a:ext>
-            </a:extLst>
-          </a:blip>
-          <a:stretch>
-            <a:fillRect/>
-          </a:stretch>
-        </p:blipFill>
-        <p:spPr>
-          <a:xfrm>
-            <a:off x="2548696" y="2393396"/>
-            <a:ext cx="6696904" cy="4464604"/>
-          </a:xfrm>
-          <a:prstGeom prst="rect">
-            <a:avLst/>
-          </a:prstGeom>
-        </p:spPr>
-      </p:pic>
-      <p:sp>
-        <p:nvSpPr>
-          <p:cNvPr id="6" name="TextBox 5">
-            <a:extLst>
-              <a:ext uri="{FF2B5EF4-FFF2-40B4-BE49-F238E27FC236}">
-                <a16:creationId xmlns:a16="http://schemas.microsoft.com/office/drawing/2014/main" id="{4582FBEA-AD41-5DD8-3D79-9B83861E069E}"/>
-              </a:ext>
-            </a:extLst>
-          </p:cNvPr>
-          <p:cNvSpPr txBox="1"/>
-          <p:nvPr/>
-        </p:nvSpPr>
-        <p:spPr>
-          <a:xfrm>
-            <a:off x="838200" y="1394555"/>
-            <a:ext cx="10515600" cy="1077218"/>
-          </a:xfrm>
-          <a:prstGeom prst="rect">
-            <a:avLst/>
-          </a:prstGeom>
-          <a:noFill/>
-        </p:spPr>
-        <p:txBody>
-          <a:bodyPr wrap="square" rtlCol="0">
-            <a:spAutoFit/>
-          </a:bodyPr>
-          <a:lstStyle/>
-          <a:p>
-            <a:r>
-              <a:rPr lang="en-US" sz="1600" dirty="0"/>
-              <a:t>Data compiled by the </a:t>
-            </a:r>
-            <a:r>
-              <a:rPr lang="en-US" sz="1600" b="1" dirty="0"/>
-              <a:t>National Skills Commission </a:t>
-            </a:r>
-            <a:r>
-              <a:rPr lang="en-US" sz="1600" dirty="0"/>
-              <a:t>through job boards such as Seek, CareerOne and Australian </a:t>
-            </a:r>
-            <a:r>
-              <a:rPr lang="en-US" sz="1600" dirty="0" err="1"/>
-              <a:t>JobSearch</a:t>
-            </a:r>
-            <a:r>
-              <a:rPr lang="en-US" sz="1600" dirty="0"/>
-              <a:t> </a:t>
-            </a:r>
-            <a:r>
-              <a:rPr lang="en-US" sz="1600" i="1" dirty="0"/>
-              <a:t>(</a:t>
-            </a:r>
-            <a:r>
-              <a:rPr lang="en-US" sz="1600" i="1" dirty="0">
-                <a:hlinkClick r:id="rId3"/>
-              </a:rPr>
-              <a:t>https://labourmarketinsights.gov.au/our-research/internet-vacancy-index/#3</a:t>
-            </a:r>
-            <a:r>
-              <a:rPr lang="en-US" sz="1600" i="1" dirty="0"/>
-              <a:t>)</a:t>
-            </a:r>
-          </a:p>
-          <a:p>
-            <a:endParaRPr lang="en-US" sz="1600" i="1" dirty="0"/>
-          </a:p>
-          <a:p>
-            <a:r>
-              <a:rPr lang="en-US" sz="1600" dirty="0"/>
-              <a:t>Comparing the total vacancies between 2019 vs 2021, Western Australia had a growth of 59%.</a:t>
-            </a:r>
-            <a:endParaRPr lang="en-AU" sz="1600" dirty="0"/>
-          </a:p>
-        </p:txBody>
-      </p:sp>
-    </p:spTree>
-    <p:extLst>
-      <p:ext uri="{BB962C8B-B14F-4D97-AF65-F5344CB8AC3E}">
-        <p14:creationId xmlns:p14="http://schemas.microsoft.com/office/powerpoint/2010/main" val="589642860"/>
-      </p:ext>
-    </p:extLst>
-  </p:cSld>
-  <p:clrMapOvr>
-    <a:masterClrMapping/>
-  </p:clrMapOvr>
-</p:sld>
-</file>
-
 <file path=ppt/slides/slide9.xml><?xml version="1.0" encoding="utf-8"?>
 <p:sld xmlns:a="http://schemas.openxmlformats.org/drawingml/2006/main" xmlns:r="http://schemas.openxmlformats.org/officeDocument/2006/relationships" xmlns:p="http://schemas.openxmlformats.org/presentationml/2006/main">
   <p:cSld>
@@ -4910,12 +4971,43 @@
           <a:chExt cx="0" cy="0"/>
         </a:xfrm>
       </p:grpSpPr>
+      <p:sp>
+        <p:nvSpPr>
+          <p:cNvPr id="2" name="Title 1">
+            <a:extLst>
+              <a:ext uri="{FF2B5EF4-FFF2-40B4-BE49-F238E27FC236}">
+                <a16:creationId xmlns:a16="http://schemas.microsoft.com/office/drawing/2014/main" id="{63DAEC9D-DDC5-1D93-CB4F-FE2D1C9BECAA}"/>
+              </a:ext>
+            </a:extLst>
+          </p:cNvPr>
+          <p:cNvSpPr>
+            <a:spLocks noGrp="1"/>
+          </p:cNvSpPr>
+          <p:nvPr>
+            <p:ph type="title"/>
+          </p:nvPr>
+        </p:nvSpPr>
+        <p:spPr/>
+        <p:txBody>
+          <a:bodyPr>
+            <a:normAutofit/>
+          </a:bodyPr>
+          <a:lstStyle/>
+          <a:p>
+            <a:r>
+              <a:rPr lang="en-US" sz="4000" b="1" dirty="0"/>
+              <a:t>Job Vacancies by State</a:t>
+            </a:r>
+            <a:endParaRPr lang="en-AU" sz="4000" b="1" dirty="0"/>
+          </a:p>
+        </p:txBody>
+      </p:sp>
       <p:pic>
         <p:nvPicPr>
-          <p:cNvPr id="7" name="Picture 6">
-            <a:extLst>
-              <a:ext uri="{FF2B5EF4-FFF2-40B4-BE49-F238E27FC236}">
-                <a16:creationId xmlns:a16="http://schemas.microsoft.com/office/drawing/2014/main" id="{6BCE5F0F-32FA-93EF-94D3-EA4EC4E157CB}"/>
+          <p:cNvPr id="4" name="Picture 3">
+            <a:extLst>
+              <a:ext uri="{FF2B5EF4-FFF2-40B4-BE49-F238E27FC236}">
+                <a16:creationId xmlns:a16="http://schemas.microsoft.com/office/drawing/2014/main" id="{C6A452C2-6575-24B7-3F18-AAD0D2974E5F}"/>
               </a:ext>
             </a:extLst>
           </p:cNvPr>
@@ -4938,66 +5030,30 @@
         </p:blipFill>
         <p:spPr>
           <a:xfrm>
-            <a:off x="0" y="340180"/>
-            <a:ext cx="6609437" cy="3304719"/>
+            <a:off x="2548696" y="2393396"/>
+            <a:ext cx="6696904" cy="4464604"/>
           </a:xfrm>
           <a:prstGeom prst="rect">
             <a:avLst/>
           </a:prstGeom>
         </p:spPr>
       </p:pic>
-      <p:pic>
-        <p:nvPicPr>
-          <p:cNvPr id="10" name="Picture 9">
-            <a:extLst>
-              <a:ext uri="{FF2B5EF4-FFF2-40B4-BE49-F238E27FC236}">
-                <a16:creationId xmlns:a16="http://schemas.microsoft.com/office/drawing/2014/main" id="{43DA495D-2A56-4DAA-ED0A-675734BE2664}"/>
-              </a:ext>
-            </a:extLst>
-          </p:cNvPr>
-          <p:cNvPicPr>
-            <a:picLocks noChangeAspect="1"/>
-          </p:cNvPicPr>
+      <p:sp>
+        <p:nvSpPr>
+          <p:cNvPr id="6" name="TextBox 5">
+            <a:extLst>
+              <a:ext uri="{FF2B5EF4-FFF2-40B4-BE49-F238E27FC236}">
+                <a16:creationId xmlns:a16="http://schemas.microsoft.com/office/drawing/2014/main" id="{4582FBEA-AD41-5DD8-3D79-9B83861E069E}"/>
+              </a:ext>
+            </a:extLst>
+          </p:cNvPr>
+          <p:cNvSpPr txBox="1"/>
           <p:nvPr/>
-        </p:nvPicPr>
-        <p:blipFill>
-          <a:blip r:embed="rId3">
-            <a:extLst>
-              <a:ext uri="{28A0092B-C50C-407E-A947-70E740481C1C}">
-                <a14:useLocalDpi xmlns:a14="http://schemas.microsoft.com/office/drawing/2010/main" val="0"/>
-              </a:ext>
-            </a:extLst>
-          </a:blip>
-          <a:stretch>
-            <a:fillRect/>
-          </a:stretch>
-        </p:blipFill>
+        </p:nvSpPr>
         <p:spPr>
           <a:xfrm>
-            <a:off x="6833287" y="101600"/>
-            <a:ext cx="5485714" cy="3657143"/>
-          </a:xfrm>
-          <a:prstGeom prst="rect">
-            <a:avLst/>
-          </a:prstGeom>
-        </p:spPr>
-      </p:pic>
-      <p:sp>
-        <p:nvSpPr>
-          <p:cNvPr id="14" name="TextBox 13">
-            <a:extLst>
-              <a:ext uri="{FF2B5EF4-FFF2-40B4-BE49-F238E27FC236}">
-                <a16:creationId xmlns:a16="http://schemas.microsoft.com/office/drawing/2014/main" id="{6F941A53-CAEA-0363-DE61-7CEBE0E24148}"/>
-              </a:ext>
-            </a:extLst>
-          </p:cNvPr>
-          <p:cNvSpPr txBox="1"/>
-          <p:nvPr/>
-        </p:nvSpPr>
-        <p:spPr>
-          <a:xfrm>
-            <a:off x="958850" y="4363135"/>
-            <a:ext cx="6159500" cy="646331"/>
+            <a:off x="838200" y="1394555"/>
+            <a:ext cx="10515600" cy="1077218"/>
           </a:xfrm>
           <a:prstGeom prst="rect">
             <a:avLst/>
@@ -5005,30 +5061,62 @@
           <a:noFill/>
         </p:spPr>
         <p:txBody>
-          <a:bodyPr wrap="square">
+          <a:bodyPr wrap="square" rtlCol="0">
             <a:spAutoFit/>
           </a:bodyPr>
           <a:lstStyle/>
           <a:p>
             <a:r>
-              <a:rPr lang="en-US" dirty="0"/>
-              <a:t>*****Insert info for the Top &amp; bottom 5 industries – Avg </a:t>
-            </a:r>
-            <a:r>
-              <a:rPr lang="en-US" dirty="0" err="1"/>
-              <a:t>wkly</a:t>
-            </a:r>
-            <a:r>
-              <a:rPr lang="en-US" dirty="0"/>
-              <a:t> Earning</a:t>
-            </a:r>
+              <a:rPr lang="en-US" sz="1600" dirty="0"/>
+              <a:t>Data compiled by the </a:t>
+            </a:r>
+            <a:r>
+              <a:rPr lang="en-US" sz="1600" b="1" dirty="0"/>
+              <a:t>National Skills Commission </a:t>
+            </a:r>
+            <a:r>
+              <a:rPr lang="en-US" sz="1600" dirty="0"/>
+              <a:t>through job boards such as Seek, CareerOne and Australian </a:t>
+            </a:r>
+            <a:r>
+              <a:rPr lang="en-US" sz="1600" dirty="0" err="1"/>
+              <a:t>JobSearch</a:t>
+            </a:r>
+            <a:r>
+              <a:rPr lang="en-US" sz="1600" dirty="0"/>
+              <a:t> </a:t>
+            </a:r>
+            <a:r>
+              <a:rPr lang="en-US" sz="1600" i="1" dirty="0"/>
+              <a:t>(</a:t>
+            </a:r>
+            <a:r>
+              <a:rPr lang="en-US" sz="1600" i="1" dirty="0">
+                <a:hlinkClick r:id="rId3"/>
+              </a:rPr>
+              <a:t>https://labourmarketinsights.gov.au/our-research/internet-vacancy-index/#3</a:t>
+            </a:r>
+            <a:r>
+              <a:rPr lang="en-US" sz="1600" i="1" dirty="0"/>
+              <a:t>)</a:t>
+            </a:r>
+          </a:p>
+          <a:p>
+            <a:endParaRPr lang="en-US" sz="1600" i="1" dirty="0"/>
+          </a:p>
+          <a:p>
+            <a:r>
+              <a:rPr lang="en-US" sz="1600" dirty="0"/>
+              <a:t>Comparing the total vacancies between 2019 vs 2021, Western Australia had a growth of 59%.</a:t>
+            </a:r>
+            <a:endParaRPr lang="en-AU" sz="1600" dirty="0"/>
           </a:p>
         </p:txBody>
       </p:sp>
     </p:spTree>
     <p:extLst>
       <p:ext uri="{BB962C8B-B14F-4D97-AF65-F5344CB8AC3E}">
-        <p14:creationId xmlns:p14="http://schemas.microsoft.com/office/powerpoint/2010/main" val="929465799"/>
+        <p14:creationId xmlns:p14="http://schemas.microsoft.com/office/powerpoint/2010/main" val="589642860"/>
       </p:ext>
     </p:extLst>
   </p:cSld>
